--- a/Lessons/Lesson-3/Prompt Engineering.pptx
+++ b/Lessons/Lesson-3/Prompt Engineering.pptx
@@ -223,7 +223,7 @@
           <a:p>
             <a:fld id="{1A9CCF9A-981A-5249-97D4-A6A8CB76D112}" type="datetimeFigureOut">
               <a:rPr lang="en-US" smtClean="0"/>
-              <a:t>12/19/24</a:t>
+              <a:t>1/9/25</a:t>
             </a:fld>
             <a:endParaRPr lang="en-US"/>
           </a:p>
@@ -7210,7 +7210,7 @@
             </a:r>
             <a:r>
               <a:rPr lang="en-DE"/>
-              <a:t>: controls the randomness. </a:t>
+              <a:t>: controls the randomness </a:t>
             </a:r>
             <a:endParaRPr lang="en-US" dirty="0"/>
           </a:p>
@@ -7222,7 +7222,7 @@
             </a:r>
             <a:r>
               <a:rPr lang="en-DE" i="1"/>
-              <a:t>deterministic. </a:t>
+              <a:t>deterministic </a:t>
             </a:r>
             <a:endParaRPr lang="en-US" i="1" dirty="0"/>
           </a:p>
@@ -7242,7 +7242,7 @@
             </a:r>
             <a:r>
               <a:rPr lang="en-US" dirty="0"/>
-              <a:t> and control creativity.</a:t>
+              <a:t> and control creativity</a:t>
             </a:r>
             <a:endParaRPr lang="en-DE"/>
           </a:p>
@@ -7259,7 +7259,7 @@
             </a:r>
             <a:r>
               <a:rPr lang="en-DE"/>
-              <a:t>: selects next word from those with probabilities summing up to said value.</a:t>
+              <a:t>: selects next word from those with probabilities summing up to said value</a:t>
             </a:r>
           </a:p>
           <a:p>
@@ -7275,7 +7275,7 @@
             </a:r>
             <a:r>
               <a:rPr lang="en-DE"/>
-              <a:t>: picks up next token from the top “k”, sorted by probability.</a:t>
+              <a:t>: picks up next token from the top “k”, sorted by probability</a:t>
             </a:r>
           </a:p>
           <a:p>
@@ -7291,7 +7291,7 @@
             </a:r>
             <a:r>
               <a:rPr lang="en-DE"/>
-              <a:t>: controls the length of the generated response.</a:t>
+              <a:t>: controls the length of the generated response</a:t>
             </a:r>
             <a:endParaRPr lang="en-US" dirty="0"/>
           </a:p>
@@ -7299,7 +7299,7 @@
             <a:pPr lvl="2"/>
             <a:r>
               <a:rPr lang="en-US" dirty="0"/>
-              <a:t>May result in incomplete responses if value too low.</a:t>
+              <a:t>May result in incomplete responses if value too low</a:t>
             </a:r>
             <a:endParaRPr lang="en-DE"/>
           </a:p>
@@ -7316,7 +7316,7 @@
             </a:r>
             <a:r>
               <a:rPr lang="en-DE"/>
-              <a:t>: stops generating text when it encounters these sequences.</a:t>
+              <a:t>: stops generating text when it encounters these sequences</a:t>
             </a:r>
           </a:p>
           <a:p>
@@ -7562,7 +7562,7 @@
             </a:r>
             <a:r>
               <a:rPr lang="en-US" sz="2400" dirty="0"/>
-              <a:t> instructions (unambiguous and specific).</a:t>
+              <a:t> instructions (unambiguous and specific)</a:t>
             </a:r>
           </a:p>
           <a:p>
@@ -7593,7 +7593,7 @@
             </a:r>
             <a:r>
               <a:rPr lang="en-US" sz="2400" dirty="0"/>
-              <a:t>on.</a:t>
+              <a:t>on</a:t>
             </a:r>
           </a:p>
           <a:p>
@@ -7629,7 +7629,7 @@
             </a:r>
             <a:r>
               <a:rPr lang="en-US" sz="2400" dirty="0"/>
-              <a:t> to your prompt.</a:t>
+              <a:t> to your prompt</a:t>
             </a:r>
           </a:p>
           <a:p>
@@ -7672,7 +7672,7 @@
             </a:r>
             <a:r>
               <a:rPr lang="en-US" sz="2400" dirty="0"/>
-              <a:t> process which may take a few attempts.</a:t>
+              <a:t> process which may take a few attempts</a:t>
             </a:r>
           </a:p>
           <a:p>
@@ -7814,14 +7814,14 @@
           <a:p>
             <a:r>
               <a:rPr lang="en-DE" sz="2400"/>
-              <a:t>LLMs are pre-trained on vast amounts of data.</a:t>
+              <a:t>LLMs are pre-trained on vast amounts of data</a:t>
             </a:r>
           </a:p>
           <a:p>
             <a:pPr lvl="1"/>
             <a:r>
               <a:rPr lang="en-DE" sz="2000"/>
-              <a:t>They have learned patterns, grammar, facts, and some reasoning capabilities.</a:t>
+              <a:t>They have learned patterns, grammar, facts, and some reasoning capabilities</a:t>
             </a:r>
           </a:p>
           <a:p>
@@ -7847,27 +7847,24 @@
               </a:rPr>
               <a:t>responses to textual instructions</a:t>
             </a:r>
-            <a:r>
-              <a:rPr lang="en-DE" sz="2400">
-                <a:solidFill>
-                  <a:schemeClr val="accent6"/>
-                </a:solidFill>
-              </a:rPr>
-              <a:t>.</a:t>
-            </a:r>
+            <a:endParaRPr lang="en-DE" sz="2400">
+              <a:solidFill>
+                <a:schemeClr val="accent6"/>
+              </a:solidFill>
+            </a:endParaRPr>
           </a:p>
           <a:p>
             <a:pPr lvl="1"/>
             <a:r>
               <a:rPr lang="en-DE" sz="2000"/>
-              <a:t>They can generate content that aligns closely with user intent.</a:t>
+              <a:t>They can generate content that aligns closely with user intent</a:t>
             </a:r>
           </a:p>
           <a:p>
             <a:pPr lvl="1"/>
             <a:r>
               <a:rPr lang="en-DE" sz="2000"/>
-              <a:t>They follow guidelines to arrive at desired outcomes.</a:t>
+              <a:t>They follow guidelines to arrive at desired outcomes</a:t>
             </a:r>
           </a:p>
           <a:p>
@@ -8276,7 +8273,7 @@
             </a:r>
             <a:r>
               <a:rPr lang="en-DE" sz="2400"/>
-              <a:t>nt large language models might need specific prompt formats.</a:t>
+              <a:t>nt large language models might need specific prompt formats</a:t>
             </a:r>
             <a:endParaRPr lang="en-US" sz="2400" dirty="0"/>
           </a:p>
@@ -9506,7 +9503,7 @@
           <a:p>
             <a:r>
               <a:rPr lang="en-US" dirty="0"/>
-              <a:t>Cost effective strategies when querying API</a:t>
+              <a:t>Cost effective strategies when querying API (1/2)</a:t>
             </a:r>
           </a:p>
         </p:txBody>
@@ -9677,7 +9674,7 @@
           <a:p>
             <a:r>
               <a:rPr lang="en-US" dirty="0"/>
-              <a:t>Cost effective strategies when querying API</a:t>
+              <a:t>Cost effective strategies when querying API (2/2)</a:t>
             </a:r>
           </a:p>
         </p:txBody>
@@ -9860,19 +9857,19 @@
             </a:r>
             <a:r>
               <a:rPr lang="en-US" sz="2400" dirty="0"/>
-              <a:t>, but provided with some instructions for different tasks.</a:t>
+              <a:t>, but provided with some instructions for different tasks</a:t>
             </a:r>
           </a:p>
           <a:p>
             <a:r>
               <a:rPr lang="en-US" sz="2400" dirty="0"/>
-              <a:t>For example, LLMs can be asked to do text classification, summarization and question/answering.</a:t>
+              <a:t>For example, LLMs can be asked to do text classification, summarization and question/answering</a:t>
             </a:r>
           </a:p>
           <a:p>
             <a:r>
               <a:rPr lang="en-US" sz="2400" dirty="0"/>
-              <a:t>In addition to the instruction, the model can be given some correct examples of the task. </a:t>
+              <a:t>In addition to the instruction, the model can be given some correct examples of the task </a:t>
             </a:r>
           </a:p>
           <a:p>
@@ -11812,18 +11809,14 @@
             <a:pPr lvl="1"/>
             <a:r>
               <a:rPr lang="en-US" sz="2000" dirty="0"/>
-              <a:t>For example: Translation, summarization, arithmetic reasoning, </a:t>
-            </a:r>
-            <a:r>
-              <a:rPr lang="en-US" sz="2000" dirty="0" err="1"/>
-              <a:t>etc</a:t>
+              <a:t>For example: Translation, summarization, arithmetic reasoning, etc.</a:t>
             </a:r>
             <a:endParaRPr lang="en-US" sz="1800" dirty="0"/>
           </a:p>
           <a:p>
             <a:r>
               <a:rPr lang="en-US" sz="2400" dirty="0"/>
-              <a:t>Leverage the generalized understanding of concepts from pre-training.</a:t>
+              <a:t>Leverage the generalized understanding of concepts from pre-training</a:t>
             </a:r>
           </a:p>
           <a:p>
@@ -12918,7 +12911,7 @@
             </a:r>
             <a:r>
               <a:rPr lang="en-US" sz="2400" dirty="0"/>
-              <a:t> are provided. </a:t>
+              <a:t> are provided </a:t>
             </a:r>
           </a:p>
           <a:p>
@@ -13940,7 +13933,7 @@
             </a:r>
             <a:r>
               <a:rPr lang="en-US" sz="2400" dirty="0"/>
-              <a:t> are provided.</a:t>
+              <a:t> are provided</a:t>
             </a:r>
           </a:p>
           <a:p>
@@ -14962,7 +14955,7 @@
                   <a:schemeClr val="tx1"/>
                 </a:solidFill>
               </a:rPr>
-              <a:t>opinions, emotions, attitudes and feelings.</a:t>
+              <a:t>opinions, emotions, attitudes and feelings</a:t>
             </a:r>
           </a:p>
           <a:p>
@@ -16354,7 +16347,7 @@
             </a:r>
             <a:r>
               <a:rPr lang="en-US" sz="2400" dirty="0"/>
-              <a:t>, typically with the goal of capturing the most important information in a condensed form.</a:t>
+              <a:t>, typically with the goal of capturing the most important information in a condensed form</a:t>
             </a:r>
             <a:endParaRPr lang="en-US" sz="2400" b="1" dirty="0">
               <a:solidFill>
@@ -17041,7 +17034,7 @@
           <a:p>
             <a:r>
               <a:rPr lang="en-US" dirty="0"/>
-              <a:t>This lesson covered prompt engineering and in-context learning.</a:t>
+              <a:t>This lesson covered prompt engineering and in-context learning</a:t>
             </a:r>
           </a:p>
           <a:p>
@@ -17051,7 +17044,7 @@
             </a:r>
             <a:r>
               <a:rPr lang="en-US"/>
-              <a:t>prompting techniques.</a:t>
+              <a:t>prompting techniques</a:t>
             </a:r>
             <a:endParaRPr lang="en-US" dirty="0"/>
           </a:p>
@@ -17363,14 +17356,14 @@
                 </a:solidFill>
                 <a:latin typeface="+mn-lt"/>
               </a:rPr>
-              <a:t>Inputs given to a model to get a response for a task.</a:t>
+              <a:t>Inputs given to a model to get a response for a task</a:t>
             </a:r>
           </a:p>
           <a:p>
             <a:pPr marL="969963" lvl="1" indent="-401638"/>
             <a:r>
               <a:rPr lang="en-US" sz="2000" dirty="0"/>
-              <a:t>Typically in the form of natural language query</a:t>
+              <a:t>Typically, in the form of natural language query</a:t>
             </a:r>
             <a:endParaRPr lang="en-US" sz="3200" dirty="0">
               <a:latin typeface="+mn-lt"/>
@@ -17380,7 +17373,7 @@
             <a:pPr marL="741363" indent="-401638"/>
             <a:r>
               <a:rPr lang="en-US" sz="2400" dirty="0"/>
-              <a:t>We can explain the task, set constraints, show examples or set the output format for the model’s response. </a:t>
+              <a:t>We can explain the task, set constraints, show examples or set the output format for the model’s response </a:t>
             </a:r>
           </a:p>
           <a:p>
@@ -18508,35 +18501,6 @@
       </p:grpSpPr>
       <p:sp>
         <p:nvSpPr>
-          <p:cNvPr id="19" name="Slide Number Placeholder 18">
-            <a:extLst>
-              <a:ext uri="{FF2B5EF4-FFF2-40B4-BE49-F238E27FC236}">
-                <a16:creationId xmlns:a16="http://schemas.microsoft.com/office/drawing/2014/main" id="{93AA3600-9256-59F2-AF76-3DCA62B819AE}"/>
-              </a:ext>
-            </a:extLst>
-          </p:cNvPr>
-          <p:cNvSpPr>
-            <a:spLocks noGrp="1"/>
-          </p:cNvSpPr>
-          <p:nvPr>
-            <p:ph type="sldNum" idx="97"/>
-          </p:nvPr>
-        </p:nvSpPr>
-        <p:spPr/>
-        <p:txBody>
-          <a:bodyPr/>
-          <a:lstStyle/>
-          <a:p>
-            <a:fld id="{86A8BF56-6CB3-514C-9A64-F39D95C9E25B}" type="slidenum">
-              <a:rPr lang="en-US" smtClean="0"/>
-              <a:t>6</a:t>
-            </a:fld>
-            <a:endParaRPr lang="en-US"/>
-          </a:p>
-        </p:txBody>
-      </p:sp>
-      <p:sp>
-        <p:nvSpPr>
           <p:cNvPr id="3" name="Content Placeholder 2">
             <a:extLst>
               <a:ext uri="{FF2B5EF4-FFF2-40B4-BE49-F238E27FC236}">
@@ -18603,15 +18567,7 @@
             </a:r>
             <a:r>
               <a:rPr lang="en-US" dirty="0"/>
-              <a:t> Task or instruction for the model (</a:t>
-            </a:r>
-            <a:r>
-              <a:rPr lang="en-US" dirty="0" err="1"/>
-              <a:t>eg</a:t>
-            </a:r>
-            <a:r>
-              <a:rPr lang="en-US" dirty="0"/>
-              <a:t>: classify, summarize, …)</a:t>
+              <a:t> Task or instruction for the model (e.g. classify, summarize, …)</a:t>
             </a:r>
           </a:p>
           <a:p>
@@ -18659,43 +18615,187 @@
       </p:sp>
       <p:sp>
         <p:nvSpPr>
-          <p:cNvPr id="2" name="Title 1">
+          <p:cNvPr id="5" name="TextBox 4">
             <a:extLst>
               <a:ext uri="{FF2B5EF4-FFF2-40B4-BE49-F238E27FC236}">
-                <a16:creationId xmlns:a16="http://schemas.microsoft.com/office/drawing/2014/main" id="{282A3BE8-A776-3EAD-BA69-B93E3F729533}"/>
+                <a16:creationId xmlns:a16="http://schemas.microsoft.com/office/drawing/2014/main" id="{F11D9A35-DCAE-98A9-39E5-1D2B30B076F5}"/>
               </a:ext>
             </a:extLst>
           </p:cNvPr>
-          <p:cNvSpPr>
-            <a:spLocks noGrp="1"/>
-          </p:cNvSpPr>
-          <p:nvPr>
-            <p:ph type="title"/>
-          </p:nvPr>
+          <p:cNvSpPr txBox="1"/>
+          <p:nvPr/>
         </p:nvSpPr>
         <p:spPr>
           <a:xfrm>
-            <a:off x="365760" y="301752"/>
-            <a:ext cx="11466576" cy="731520"/>
+            <a:off x="3362201" y="3623713"/>
+            <a:ext cx="5610814" cy="369332"/>
           </a:xfrm>
+          <a:prstGeom prst="rect">
+            <a:avLst/>
+          </a:prstGeom>
+          <a:noFill/>
         </p:spPr>
         <p:txBody>
-          <a:bodyPr/>
+          <a:bodyPr wrap="square" rtlCol="0">
+            <a:spAutoFit/>
+          </a:bodyPr>
           <a:lstStyle/>
           <a:p>
             <a:r>
-              <a:rPr lang="en-US" dirty="0"/>
-              <a:t>Components of a prompt</a:t>
+              <a:rPr lang="en-US" i="1" dirty="0"/>
+              <a:t>The following is a customer email received last week.</a:t>
+            </a:r>
+          </a:p>
+        </p:txBody>
+      </p:sp>
+      <p:sp>
+        <p:nvSpPr>
+          <p:cNvPr id="6" name="TextBox 5">
+            <a:extLst>
+              <a:ext uri="{FF2B5EF4-FFF2-40B4-BE49-F238E27FC236}">
+                <a16:creationId xmlns:a16="http://schemas.microsoft.com/office/drawing/2014/main" id="{451F6810-F017-CC08-2642-AF50444E6E9B}"/>
+              </a:ext>
+            </a:extLst>
+          </p:cNvPr>
+          <p:cNvSpPr txBox="1"/>
+          <p:nvPr/>
+        </p:nvSpPr>
+        <p:spPr>
+          <a:xfrm>
+            <a:off x="3362201" y="4004617"/>
+            <a:ext cx="6657489" cy="369332"/>
+          </a:xfrm>
+          <a:prstGeom prst="rect">
+            <a:avLst/>
+          </a:prstGeom>
+          <a:noFill/>
+        </p:spPr>
+        <p:txBody>
+          <a:bodyPr wrap="square" rtlCol="0">
+            <a:spAutoFit/>
+          </a:bodyPr>
+          <a:lstStyle/>
+          <a:p>
+            <a:r>
+              <a:rPr lang="en-US" i="1" dirty="0"/>
+              <a:t>Summarize the main points of the email  in a bulleted list.</a:t>
+            </a:r>
+          </a:p>
+        </p:txBody>
+      </p:sp>
+      <p:sp>
+        <p:nvSpPr>
+          <p:cNvPr id="10" name="TextBox 9" descr="Example showing various components for the prompt: ">
+            <a:extLst>
+              <a:ext uri="{FF2B5EF4-FFF2-40B4-BE49-F238E27FC236}">
+                <a16:creationId xmlns:a16="http://schemas.microsoft.com/office/drawing/2014/main" id="{79215114-7FCA-D64B-AA95-389C333758E7}"/>
+              </a:ext>
+            </a:extLst>
+          </p:cNvPr>
+          <p:cNvSpPr txBox="1"/>
+          <p:nvPr/>
+        </p:nvSpPr>
+        <p:spPr>
+          <a:xfrm>
+            <a:off x="3422363" y="4578602"/>
+            <a:ext cx="6762417" cy="2031325"/>
+          </a:xfrm>
+          <a:prstGeom prst="rect">
+            <a:avLst/>
+          </a:prstGeom>
+          <a:solidFill>
+            <a:schemeClr val="bg1"/>
+          </a:solidFill>
+          <a:effectLst>
+            <a:outerShdw blurRad="50800" dist="38100" dir="2700000" algn="tl" rotWithShape="0">
+              <a:prstClr val="black">
+                <a:alpha val="40000"/>
+              </a:prstClr>
+            </a:outerShdw>
+          </a:effectLst>
+        </p:spPr>
+        <p:txBody>
+          <a:bodyPr wrap="square" rtlCol="0">
+            <a:spAutoFit/>
+          </a:bodyPr>
+          <a:lstStyle/>
+          <a:p>
+            <a:r>
+              <a:rPr lang="en-US" i="1" dirty="0">
+                <a:ln w="0"/>
+                <a:effectLst>
+                  <a:outerShdw blurRad="38100" dist="19050" dir="2700000" algn="tl" rotWithShape="0">
+                    <a:schemeClr val="dk1">
+                      <a:alpha val="40000"/>
+                    </a:schemeClr>
+                  </a:outerShdw>
+                </a:effectLst>
+              </a:rPr>
+              <a:t>To whom it may concern:</a:t>
+            </a:r>
+          </a:p>
+          <a:p>
+            <a:endParaRPr lang="en-US" i="1" dirty="0">
+              <a:ln w="0"/>
+              <a:effectLst>
+                <a:outerShdw blurRad="38100" dist="19050" dir="2700000" algn="tl" rotWithShape="0">
+                  <a:schemeClr val="dk1">
+                    <a:alpha val="40000"/>
+                  </a:schemeClr>
+                </a:outerShdw>
+              </a:effectLst>
+            </a:endParaRPr>
+          </a:p>
+          <a:p>
+            <a:r>
+              <a:rPr lang="en-US" i="1" dirty="0">
+                <a:ln w="0"/>
+                <a:effectLst>
+                  <a:outerShdw blurRad="38100" dist="19050" dir="2700000" algn="tl" rotWithShape="0">
+                    <a:schemeClr val="dk1">
+                      <a:alpha val="40000"/>
+                    </a:schemeClr>
+                  </a:outerShdw>
+                </a:effectLst>
+              </a:rPr>
+              <a:t>Following up on our last meeting, we want to propose a few suggestions for faster production and delivery of our ordered products. …..</a:t>
+            </a:r>
+          </a:p>
+          <a:p>
+            <a:endParaRPr lang="en-US" i="1" dirty="0">
+              <a:ln w="0"/>
+              <a:effectLst>
+                <a:outerShdw blurRad="38100" dist="19050" dir="2700000" algn="tl" rotWithShape="0">
+                  <a:schemeClr val="dk1">
+                    <a:alpha val="40000"/>
+                  </a:schemeClr>
+                </a:outerShdw>
+              </a:effectLst>
+            </a:endParaRPr>
+          </a:p>
+          <a:p>
+            <a:r>
+              <a:rPr lang="en-US" i="1" dirty="0">
+                <a:ln w="0"/>
+                <a:effectLst>
+                  <a:outerShdw blurRad="38100" dist="19050" dir="2700000" algn="tl" rotWithShape="0">
+                    <a:schemeClr val="dk1">
+                      <a:alpha val="40000"/>
+                    </a:schemeClr>
+                  </a:outerShdw>
+                </a:effectLst>
+              </a:rPr>
+              <a:t>Looking forward to hearing from you.</a:t>
             </a:r>
           </a:p>
         </p:txBody>
       </p:sp>
       <p:grpSp>
         <p:nvGrpSpPr>
-          <p:cNvPr id="4" name="Group 3" descr="Example showing various components of the prompt: &#10;&#10;Instruction: Summarize the main points of the email &#10;Context: The following is a customer email received last week.&#10;Input: To whom it may concern:&#13;&#10;&#13;&#10;Following up on our last meeting, we want to propose a few suggestions for faster production and delivery of our ordered products. …..&#13;&#10;&#13;&#10;Looking forward to hearing from you.&#13;&#10;&#10; Output Indicator: in a bulleted list&#13;&#10;">
+          <p:cNvPr id="24" name="Group 23">
             <a:extLst>
               <a:ext uri="{FF2B5EF4-FFF2-40B4-BE49-F238E27FC236}">
-                <a16:creationId xmlns:a16="http://schemas.microsoft.com/office/drawing/2014/main" id="{68A63214-ADE6-AF59-79D3-399497C0969D}"/>
+                <a16:creationId xmlns:a16="http://schemas.microsoft.com/office/drawing/2014/main" id="{2D959719-1793-F2F1-29B2-6FD3D9D9A6FD}"/>
               </a:ext>
             </a:extLst>
           </p:cNvPr>
@@ -18704,82 +18804,12 @@
         </p:nvGrpSpPr>
         <p:grpSpPr>
           <a:xfrm>
-            <a:off x="1300977" y="3001265"/>
-            <a:ext cx="11054119" cy="3608662"/>
-            <a:chOff x="326009" y="2043808"/>
-            <a:chExt cx="12537256" cy="4092838"/>
+            <a:off x="3415505" y="3001265"/>
+            <a:ext cx="5557510" cy="948089"/>
+            <a:chOff x="3415505" y="3001265"/>
+            <a:chExt cx="5557510" cy="948089"/>
           </a:xfrm>
         </p:grpSpPr>
-        <p:sp>
-          <p:nvSpPr>
-            <p:cNvPr id="5" name="TextBox 4">
-              <a:extLst>
-                <a:ext uri="{FF2B5EF4-FFF2-40B4-BE49-F238E27FC236}">
-                  <a16:creationId xmlns:a16="http://schemas.microsoft.com/office/drawing/2014/main" id="{F11D9A35-DCAE-98A9-39E5-1D2B30B076F5}"/>
-                </a:ext>
-              </a:extLst>
-            </p:cNvPr>
-            <p:cNvSpPr txBox="1"/>
-            <p:nvPr/>
-          </p:nvSpPr>
-          <p:spPr>
-            <a:xfrm>
-              <a:off x="2663789" y="2749770"/>
-              <a:ext cx="6363620" cy="418885"/>
-            </a:xfrm>
-            <a:prstGeom prst="rect">
-              <a:avLst/>
-            </a:prstGeom>
-            <a:noFill/>
-          </p:spPr>
-          <p:txBody>
-            <a:bodyPr wrap="square" rtlCol="0">
-              <a:spAutoFit/>
-            </a:bodyPr>
-            <a:lstStyle/>
-            <a:p>
-              <a:r>
-                <a:rPr lang="en-US" i="1" dirty="0"/>
-                <a:t>The following is a customer email received last week.</a:t>
-              </a:r>
-            </a:p>
-          </p:txBody>
-        </p:sp>
-        <p:sp>
-          <p:nvSpPr>
-            <p:cNvPr id="6" name="TextBox 5">
-              <a:extLst>
-                <a:ext uri="{FF2B5EF4-FFF2-40B4-BE49-F238E27FC236}">
-                  <a16:creationId xmlns:a16="http://schemas.microsoft.com/office/drawing/2014/main" id="{451F6810-F017-CC08-2642-AF50444E6E9B}"/>
-                </a:ext>
-              </a:extLst>
-            </p:cNvPr>
-            <p:cNvSpPr txBox="1"/>
-            <p:nvPr/>
-          </p:nvSpPr>
-          <p:spPr>
-            <a:xfrm>
-              <a:off x="2663789" y="3181780"/>
-              <a:ext cx="7550728" cy="418885"/>
-            </a:xfrm>
-            <a:prstGeom prst="rect">
-              <a:avLst/>
-            </a:prstGeom>
-            <a:noFill/>
-          </p:spPr>
-          <p:txBody>
-            <a:bodyPr wrap="square" rtlCol="0">
-              <a:spAutoFit/>
-            </a:bodyPr>
-            <a:lstStyle/>
-            <a:p>
-              <a:r>
-                <a:rPr lang="en-US" i="1" dirty="0"/>
-                <a:t>Summarize the main points of the email  in a bulleted list.</a:t>
-              </a:r>
-            </a:p>
-          </p:txBody>
-        </p:sp>
         <p:sp>
           <p:nvSpPr>
             <p:cNvPr id="7" name="Rectangle 6">
@@ -18794,8 +18824,8 @@
           </p:nvSpPr>
           <p:spPr>
             <a:xfrm>
-              <a:off x="2724244" y="2749770"/>
-              <a:ext cx="6303164" cy="369332"/>
+              <a:off x="3415505" y="3623713"/>
+              <a:ext cx="5557510" cy="325641"/>
             </a:xfrm>
             <a:prstGeom prst="rect">
               <a:avLst/>
@@ -18804,273 +18834,6 @@
             <a:ln w="38100">
               <a:solidFill>
                 <a:schemeClr val="accent6"/>
-              </a:solidFill>
-            </a:ln>
-          </p:spPr>
-          <p:style>
-            <a:lnRef idx="2">
-              <a:schemeClr val="accent1">
-                <a:shade val="50000"/>
-              </a:schemeClr>
-            </a:lnRef>
-            <a:fillRef idx="1">
-              <a:schemeClr val="accent1"/>
-            </a:fillRef>
-            <a:effectRef idx="0">
-              <a:schemeClr val="accent1"/>
-            </a:effectRef>
-            <a:fontRef idx="minor">
-              <a:schemeClr val="lt1"/>
-            </a:fontRef>
-          </p:style>
-          <p:txBody>
-            <a:bodyPr rtlCol="0" anchor="ctr"/>
-            <a:lstStyle/>
-            <a:p>
-              <a:pPr algn="ctr"/>
-              <a:endParaRPr lang="en-US"/>
-            </a:p>
-          </p:txBody>
-        </p:sp>
-        <p:sp>
-          <p:nvSpPr>
-            <p:cNvPr id="8" name="Rectangle 7">
-              <a:extLst>
-                <a:ext uri="{FF2B5EF4-FFF2-40B4-BE49-F238E27FC236}">
-                  <a16:creationId xmlns:a16="http://schemas.microsoft.com/office/drawing/2014/main" id="{77A73CD5-10A3-CC5B-C58E-5D8FB865D11F}"/>
-                </a:ext>
-              </a:extLst>
-            </p:cNvPr>
-            <p:cNvSpPr/>
-            <p:nvPr/>
-          </p:nvSpPr>
-          <p:spPr>
-            <a:xfrm>
-              <a:off x="2724244" y="3192668"/>
-              <a:ext cx="4726456" cy="358443"/>
-            </a:xfrm>
-            <a:prstGeom prst="rect">
-              <a:avLst/>
-            </a:prstGeom>
-            <a:noFill/>
-            <a:ln w="38100">
-              <a:solidFill>
-                <a:schemeClr val="accent4">
-                  <a:lumMod val="75000"/>
-                </a:schemeClr>
-              </a:solidFill>
-            </a:ln>
-          </p:spPr>
-          <p:style>
-            <a:lnRef idx="2">
-              <a:schemeClr val="accent1">
-                <a:shade val="50000"/>
-              </a:schemeClr>
-            </a:lnRef>
-            <a:fillRef idx="1">
-              <a:schemeClr val="accent1"/>
-            </a:fillRef>
-            <a:effectRef idx="0">
-              <a:schemeClr val="accent1"/>
-            </a:effectRef>
-            <a:fontRef idx="minor">
-              <a:schemeClr val="lt1"/>
-            </a:fontRef>
-          </p:style>
-          <p:txBody>
-            <a:bodyPr rtlCol="0" anchor="ctr"/>
-            <a:lstStyle/>
-            <a:p>
-              <a:pPr algn="ctr"/>
-              <a:endParaRPr lang="en-US"/>
-            </a:p>
-          </p:txBody>
-        </p:sp>
-        <p:sp>
-          <p:nvSpPr>
-            <p:cNvPr id="9" name="Rectangle 8">
-              <a:extLst>
-                <a:ext uri="{FF2B5EF4-FFF2-40B4-BE49-F238E27FC236}">
-                  <a16:creationId xmlns:a16="http://schemas.microsoft.com/office/drawing/2014/main" id="{D8F00F88-65EB-4447-5B4A-7A805FFA972E}"/>
-                </a:ext>
-              </a:extLst>
-            </p:cNvPr>
-            <p:cNvSpPr/>
-            <p:nvPr/>
-          </p:nvSpPr>
-          <p:spPr>
-            <a:xfrm>
-              <a:off x="7511156" y="3187224"/>
-              <a:ext cx="2703360" cy="358443"/>
-            </a:xfrm>
-            <a:prstGeom prst="rect">
-              <a:avLst/>
-            </a:prstGeom>
-            <a:noFill/>
-            <a:ln w="38100">
-              <a:solidFill>
-                <a:schemeClr val="accent2">
-                  <a:lumMod val="75000"/>
-                </a:schemeClr>
-              </a:solidFill>
-            </a:ln>
-          </p:spPr>
-          <p:style>
-            <a:lnRef idx="2">
-              <a:schemeClr val="accent1">
-                <a:shade val="50000"/>
-              </a:schemeClr>
-            </a:lnRef>
-            <a:fillRef idx="1">
-              <a:schemeClr val="accent1"/>
-            </a:fillRef>
-            <a:effectRef idx="0">
-              <a:schemeClr val="accent1"/>
-            </a:effectRef>
-            <a:fontRef idx="minor">
-              <a:schemeClr val="lt1"/>
-            </a:fontRef>
-          </p:style>
-          <p:txBody>
-            <a:bodyPr rtlCol="0" anchor="ctr"/>
-            <a:lstStyle/>
-            <a:p>
-              <a:pPr algn="ctr"/>
-              <a:endParaRPr lang="en-US"/>
-            </a:p>
-          </p:txBody>
-        </p:sp>
-        <p:sp>
-          <p:nvSpPr>
-            <p:cNvPr id="10" name="TextBox 9" descr="Example showing various components for the prompt: ">
-              <a:extLst>
-                <a:ext uri="{FF2B5EF4-FFF2-40B4-BE49-F238E27FC236}">
-                  <a16:creationId xmlns:a16="http://schemas.microsoft.com/office/drawing/2014/main" id="{79215114-7FCA-D64B-AA95-389C333758E7}"/>
-                </a:ext>
-              </a:extLst>
-            </p:cNvPr>
-            <p:cNvSpPr txBox="1"/>
-            <p:nvPr/>
-          </p:nvSpPr>
-          <p:spPr>
-            <a:xfrm>
-              <a:off x="2732023" y="3832777"/>
-              <a:ext cx="7669734" cy="2303869"/>
-            </a:xfrm>
-            <a:prstGeom prst="rect">
-              <a:avLst/>
-            </a:prstGeom>
-            <a:solidFill>
-              <a:schemeClr val="bg1"/>
-            </a:solidFill>
-            <a:effectLst>
-              <a:outerShdw blurRad="50800" dist="38100" dir="2700000" algn="tl" rotWithShape="0">
-                <a:prstClr val="black">
-                  <a:alpha val="40000"/>
-                </a:prstClr>
-              </a:outerShdw>
-            </a:effectLst>
-          </p:spPr>
-          <p:txBody>
-            <a:bodyPr wrap="square" rtlCol="0">
-              <a:spAutoFit/>
-            </a:bodyPr>
-            <a:lstStyle/>
-            <a:p>
-              <a:r>
-                <a:rPr lang="en-US" i="1" dirty="0">
-                  <a:ln w="0"/>
-                  <a:effectLst>
-                    <a:outerShdw blurRad="38100" dist="19050" dir="2700000" algn="tl" rotWithShape="0">
-                      <a:schemeClr val="dk1">
-                        <a:alpha val="40000"/>
-                      </a:schemeClr>
-                    </a:outerShdw>
-                  </a:effectLst>
-                </a:rPr>
-                <a:t>To whom it may concern:</a:t>
-              </a:r>
-            </a:p>
-            <a:p>
-              <a:endParaRPr lang="en-US" i="1" dirty="0">
-                <a:ln w="0"/>
-                <a:effectLst>
-                  <a:outerShdw blurRad="38100" dist="19050" dir="2700000" algn="tl" rotWithShape="0">
-                    <a:schemeClr val="dk1">
-                      <a:alpha val="40000"/>
-                    </a:schemeClr>
-                  </a:outerShdw>
-                </a:effectLst>
-              </a:endParaRPr>
-            </a:p>
-            <a:p>
-              <a:r>
-                <a:rPr lang="en-US" i="1" dirty="0">
-                  <a:ln w="0"/>
-                  <a:effectLst>
-                    <a:outerShdw blurRad="38100" dist="19050" dir="2700000" algn="tl" rotWithShape="0">
-                      <a:schemeClr val="dk1">
-                        <a:alpha val="40000"/>
-                      </a:schemeClr>
-                    </a:outerShdw>
-                  </a:effectLst>
-                </a:rPr>
-                <a:t>Following up on our last meeting, we want to propose a few suggestions for faster production and delivery of our ordered products. …..</a:t>
-              </a:r>
-            </a:p>
-            <a:p>
-              <a:endParaRPr lang="en-US" i="1" dirty="0">
-                <a:ln w="0"/>
-                <a:effectLst>
-                  <a:outerShdw blurRad="38100" dist="19050" dir="2700000" algn="tl" rotWithShape="0">
-                    <a:schemeClr val="dk1">
-                      <a:alpha val="40000"/>
-                    </a:schemeClr>
-                  </a:outerShdw>
-                </a:effectLst>
-              </a:endParaRPr>
-            </a:p>
-            <a:p>
-              <a:r>
-                <a:rPr lang="en-US" i="1" dirty="0">
-                  <a:ln w="0"/>
-                  <a:effectLst>
-                    <a:outerShdw blurRad="38100" dist="19050" dir="2700000" algn="tl" rotWithShape="0">
-                      <a:schemeClr val="dk1">
-                        <a:alpha val="40000"/>
-                      </a:schemeClr>
-                    </a:outerShdw>
-                  </a:effectLst>
-                </a:rPr>
-                <a:t>Looking forward to hearing from you.</a:t>
-              </a:r>
-            </a:p>
-          </p:txBody>
-        </p:sp>
-        <p:sp>
-          <p:nvSpPr>
-            <p:cNvPr id="11" name="Rectangle 10">
-              <a:extLst>
-                <a:ext uri="{FF2B5EF4-FFF2-40B4-BE49-F238E27FC236}">
-                  <a16:creationId xmlns:a16="http://schemas.microsoft.com/office/drawing/2014/main" id="{A25FEB73-E6FA-7B30-6768-F17F277B9E45}"/>
-                </a:ext>
-              </a:extLst>
-            </p:cNvPr>
-            <p:cNvSpPr/>
-            <p:nvPr/>
-          </p:nvSpPr>
-          <p:spPr>
-            <a:xfrm>
-              <a:off x="2732022" y="3832777"/>
-              <a:ext cx="7669734" cy="2242988"/>
-            </a:xfrm>
-            <a:prstGeom prst="rect">
-              <a:avLst/>
-            </a:prstGeom>
-            <a:noFill/>
-            <a:ln w="38100">
-              <a:solidFill>
-                <a:srgbClr val="7030A0"/>
               </a:solidFill>
             </a:ln>
           </p:spPr>
@@ -19113,8 +18876,8 @@
           </p:nvSpPr>
           <p:spPr>
             <a:xfrm>
-              <a:off x="5202909" y="2043808"/>
-              <a:ext cx="1363980" cy="418885"/>
+              <a:off x="5600948" y="3001265"/>
+              <a:ext cx="1202623" cy="369332"/>
             </a:xfrm>
             <a:prstGeom prst="rect">
               <a:avLst/>
@@ -19164,8 +18927,8 @@
           </p:nvCxnSpPr>
           <p:spPr>
             <a:xfrm flipH="1">
-              <a:off x="5875826" y="2462693"/>
-              <a:ext cx="9073" cy="287077"/>
+              <a:off x="6194260" y="3370597"/>
+              <a:ext cx="8000" cy="253116"/>
             </a:xfrm>
             <a:prstGeom prst="straightConnector1">
               <a:avLst/>
@@ -19192,53 +18955,81 @@
             </a:fontRef>
           </p:style>
         </p:cxnSp>
-        <p:cxnSp>
-          <p:nvCxnSpPr>
-            <p:cNvPr id="14" name="Straight Arrow Connector 13">
+      </p:grpSp>
+      <p:grpSp>
+        <p:nvGrpSpPr>
+          <p:cNvPr id="25" name="Group 24">
+            <a:extLst>
+              <a:ext uri="{FF2B5EF4-FFF2-40B4-BE49-F238E27FC236}">
+                <a16:creationId xmlns:a16="http://schemas.microsoft.com/office/drawing/2014/main" id="{58AA5D0A-8A82-0743-425B-08D1CC223261}"/>
+              </a:ext>
+            </a:extLst>
+          </p:cNvPr>
+          <p:cNvGrpSpPr/>
+          <p:nvPr/>
+        </p:nvGrpSpPr>
+        <p:grpSpPr>
+          <a:xfrm>
+            <a:off x="7636133" y="3280356"/>
+            <a:ext cx="4718963" cy="1045101"/>
+            <a:chOff x="7636133" y="3280356"/>
+            <a:chExt cx="4718963" cy="1045101"/>
+          </a:xfrm>
+        </p:grpSpPr>
+        <p:sp>
+          <p:nvSpPr>
+            <p:cNvPr id="9" name="Rectangle 8">
               <a:extLst>
                 <a:ext uri="{FF2B5EF4-FFF2-40B4-BE49-F238E27FC236}">
-                  <a16:creationId xmlns:a16="http://schemas.microsoft.com/office/drawing/2014/main" id="{AEB82A32-C3CD-2C57-3F77-D09DD9024D9B}"/>
+                  <a16:creationId xmlns:a16="http://schemas.microsoft.com/office/drawing/2014/main" id="{D8F00F88-65EB-4447-5B4A-7A805FFA972E}"/>
                 </a:ext>
               </a:extLst>
             </p:cNvPr>
-            <p:cNvCxnSpPr>
-              <a:cxnSpLocks/>
-              <a:endCxn id="8" idx="1"/>
-            </p:cNvCxnSpPr>
+            <p:cNvSpPr/>
             <p:nvPr/>
-          </p:nvCxnSpPr>
+          </p:nvSpPr>
           <p:spPr>
-            <a:xfrm flipV="1">
-              <a:off x="1893412" y="3371890"/>
-              <a:ext cx="830832" cy="2714"/>
+            <a:xfrm>
+              <a:off x="7636133" y="4009417"/>
+              <a:ext cx="2383557" cy="316040"/>
             </a:xfrm>
-            <a:prstGeom prst="straightConnector1">
+            <a:prstGeom prst="rect">
               <a:avLst/>
             </a:prstGeom>
+            <a:noFill/>
             <a:ln w="38100">
               <a:solidFill>
-                <a:schemeClr val="accent4">
+                <a:schemeClr val="accent2">
                   <a:lumMod val="75000"/>
                 </a:schemeClr>
               </a:solidFill>
-              <a:tailEnd type="triangle"/>
             </a:ln>
           </p:spPr>
           <p:style>
-            <a:lnRef idx="1">
-              <a:schemeClr val="accent1"/>
+            <a:lnRef idx="2">
+              <a:schemeClr val="accent1">
+                <a:shade val="50000"/>
+              </a:schemeClr>
             </a:lnRef>
-            <a:fillRef idx="0">
+            <a:fillRef idx="1">
               <a:schemeClr val="accent1"/>
             </a:fillRef>
             <a:effectRef idx="0">
               <a:schemeClr val="accent1"/>
             </a:effectRef>
             <a:fontRef idx="minor">
-              <a:schemeClr val="tx1"/>
+              <a:schemeClr val="lt1"/>
             </a:fontRef>
           </p:style>
-        </p:cxnSp>
+          <p:txBody>
+            <a:bodyPr rtlCol="0" anchor="ctr"/>
+            <a:lstStyle/>
+            <a:p>
+              <a:pPr algn="ctr"/>
+              <a:endParaRPr lang="en-US"/>
+            </a:p>
+          </p:txBody>
+        </p:sp>
         <p:sp>
           <p:nvSpPr>
             <p:cNvPr id="15" name="TextBox 14">
@@ -19253,8 +19044,8 @@
           </p:nvSpPr>
           <p:spPr>
             <a:xfrm>
-              <a:off x="10327432" y="2360345"/>
-              <a:ext cx="2535833" cy="418885"/>
+              <a:off x="10119248" y="3280356"/>
+              <a:ext cx="2235848" cy="369332"/>
             </a:xfrm>
             <a:prstGeom prst="rect">
               <a:avLst/>
@@ -19301,8 +19092,8 @@
           </p:nvCxnSpPr>
           <p:spPr>
             <a:xfrm flipH="1">
-              <a:off x="9938019" y="2569788"/>
-              <a:ext cx="389413" cy="596518"/>
+              <a:off x="9775902" y="3465022"/>
+              <a:ext cx="343346" cy="525951"/>
             </a:xfrm>
             <a:prstGeom prst="straightConnector1">
               <a:avLst/>
@@ -19331,6 +19122,79 @@
             </a:fontRef>
           </p:style>
         </p:cxnSp>
+      </p:grpSp>
+      <p:grpSp>
+        <p:nvGrpSpPr>
+          <p:cNvPr id="22" name="Group 21">
+            <a:extLst>
+              <a:ext uri="{FF2B5EF4-FFF2-40B4-BE49-F238E27FC236}">
+                <a16:creationId xmlns:a16="http://schemas.microsoft.com/office/drawing/2014/main" id="{8E96F5CD-2C92-4F5A-3C64-CF05F1C1DD52}"/>
+              </a:ext>
+            </a:extLst>
+          </p:cNvPr>
+          <p:cNvGrpSpPr/>
+          <p:nvPr/>
+        </p:nvGrpSpPr>
+        <p:grpSpPr>
+          <a:xfrm>
+            <a:off x="1300977" y="4578602"/>
+            <a:ext cx="8883803" cy="1977646"/>
+            <a:chOff x="1300977" y="4578602"/>
+            <a:chExt cx="8883803" cy="1977646"/>
+          </a:xfrm>
+        </p:grpSpPr>
+        <p:sp>
+          <p:nvSpPr>
+            <p:cNvPr id="11" name="Rectangle 10">
+              <a:extLst>
+                <a:ext uri="{FF2B5EF4-FFF2-40B4-BE49-F238E27FC236}">
+                  <a16:creationId xmlns:a16="http://schemas.microsoft.com/office/drawing/2014/main" id="{A25FEB73-E6FA-7B30-6768-F17F277B9E45}"/>
+                </a:ext>
+              </a:extLst>
+            </p:cNvPr>
+            <p:cNvSpPr/>
+            <p:nvPr/>
+          </p:nvSpPr>
+          <p:spPr>
+            <a:xfrm>
+              <a:off x="3422363" y="4578602"/>
+              <a:ext cx="6762417" cy="1977646"/>
+            </a:xfrm>
+            <a:prstGeom prst="rect">
+              <a:avLst/>
+            </a:prstGeom>
+            <a:noFill/>
+            <a:ln w="38100">
+              <a:solidFill>
+                <a:srgbClr val="7030A0"/>
+              </a:solidFill>
+            </a:ln>
+          </p:spPr>
+          <p:style>
+            <a:lnRef idx="2">
+              <a:schemeClr val="accent1">
+                <a:shade val="50000"/>
+              </a:schemeClr>
+            </a:lnRef>
+            <a:fillRef idx="1">
+              <a:schemeClr val="accent1"/>
+            </a:fillRef>
+            <a:effectRef idx="0">
+              <a:schemeClr val="accent1"/>
+            </a:effectRef>
+            <a:fontRef idx="minor">
+              <a:schemeClr val="lt1"/>
+            </a:fontRef>
+          </p:style>
+          <p:txBody>
+            <a:bodyPr rtlCol="0" anchor="ctr"/>
+            <a:lstStyle/>
+            <a:p>
+              <a:pPr algn="ctr"/>
+              <a:endParaRPr lang="en-US"/>
+            </a:p>
+          </p:txBody>
+        </p:sp>
         <p:sp>
           <p:nvSpPr>
             <p:cNvPr id="17" name="TextBox 16">
@@ -19345,8 +19209,8 @@
           </p:nvSpPr>
           <p:spPr>
             <a:xfrm>
-              <a:off x="326009" y="4775268"/>
-              <a:ext cx="1363980" cy="418885"/>
+              <a:off x="1300977" y="5385214"/>
+              <a:ext cx="1202623" cy="369332"/>
             </a:xfrm>
             <a:prstGeom prst="rect">
               <a:avLst/>
@@ -19396,8 +19260,8 @@
           </p:nvCxnSpPr>
           <p:spPr>
             <a:xfrm flipV="1">
-              <a:off x="1689989" y="4954271"/>
-              <a:ext cx="1042034" cy="30440"/>
+              <a:off x="2503600" y="5567425"/>
+              <a:ext cx="918763" cy="2455"/>
             </a:xfrm>
             <a:prstGeom prst="straightConnector1">
               <a:avLst/>
@@ -19425,45 +19289,229 @@
           </p:style>
         </p:cxnSp>
       </p:grpSp>
-      <p:sp>
-        <p:nvSpPr>
-          <p:cNvPr id="34" name="TextBox 33">
+      <p:grpSp>
+        <p:nvGrpSpPr>
+          <p:cNvPr id="23" name="Group 22">
             <a:extLst>
               <a:ext uri="{FF2B5EF4-FFF2-40B4-BE49-F238E27FC236}">
-                <a16:creationId xmlns:a16="http://schemas.microsoft.com/office/drawing/2014/main" id="{97EC96AA-4705-0492-4324-849CA86C521A}"/>
+                <a16:creationId xmlns:a16="http://schemas.microsoft.com/office/drawing/2014/main" id="{256B75E2-1624-F400-BFD1-A8E15C007609}"/>
               </a:ext>
             </a:extLst>
           </p:cNvPr>
-          <p:cNvSpPr txBox="1"/>
+          <p:cNvGrpSpPr/>
           <p:nvPr/>
+        </p:nvGrpSpPr>
+        <p:grpSpPr>
+          <a:xfrm>
+            <a:off x="749956" y="3925696"/>
+            <a:ext cx="6832873" cy="461665"/>
+            <a:chOff x="749956" y="3925696"/>
+            <a:chExt cx="6832873" cy="461665"/>
+          </a:xfrm>
+        </p:grpSpPr>
+        <p:sp>
+          <p:nvSpPr>
+            <p:cNvPr id="8" name="Rectangle 7">
+              <a:extLst>
+                <a:ext uri="{FF2B5EF4-FFF2-40B4-BE49-F238E27FC236}">
+                  <a16:creationId xmlns:a16="http://schemas.microsoft.com/office/drawing/2014/main" id="{77A73CD5-10A3-CC5B-C58E-5D8FB865D11F}"/>
+                </a:ext>
+              </a:extLst>
+            </p:cNvPr>
+            <p:cNvSpPr/>
+            <p:nvPr/>
+          </p:nvSpPr>
+          <p:spPr>
+            <a:xfrm>
+              <a:off x="3415505" y="4014217"/>
+              <a:ext cx="4167324" cy="316040"/>
+            </a:xfrm>
+            <a:prstGeom prst="rect">
+              <a:avLst/>
+            </a:prstGeom>
+            <a:noFill/>
+            <a:ln w="38100">
+              <a:solidFill>
+                <a:schemeClr val="accent4">
+                  <a:lumMod val="75000"/>
+                </a:schemeClr>
+              </a:solidFill>
+            </a:ln>
+          </p:spPr>
+          <p:style>
+            <a:lnRef idx="2">
+              <a:schemeClr val="accent1">
+                <a:shade val="50000"/>
+              </a:schemeClr>
+            </a:lnRef>
+            <a:fillRef idx="1">
+              <a:schemeClr val="accent1"/>
+            </a:fillRef>
+            <a:effectRef idx="0">
+              <a:schemeClr val="accent1"/>
+            </a:effectRef>
+            <a:fontRef idx="minor">
+              <a:schemeClr val="lt1"/>
+            </a:fontRef>
+          </p:style>
+          <p:txBody>
+            <a:bodyPr rtlCol="0" anchor="ctr"/>
+            <a:lstStyle/>
+            <a:p>
+              <a:pPr algn="ctr"/>
+              <a:endParaRPr lang="en-US"/>
+            </a:p>
+          </p:txBody>
+        </p:sp>
+        <p:cxnSp>
+          <p:nvCxnSpPr>
+            <p:cNvPr id="14" name="Straight Arrow Connector 13">
+              <a:extLst>
+                <a:ext uri="{FF2B5EF4-FFF2-40B4-BE49-F238E27FC236}">
+                  <a16:creationId xmlns:a16="http://schemas.microsoft.com/office/drawing/2014/main" id="{AEB82A32-C3CD-2C57-3F77-D09DD9024D9B}"/>
+                </a:ext>
+              </a:extLst>
+            </p:cNvPr>
+            <p:cNvCxnSpPr>
+              <a:cxnSpLocks/>
+              <a:endCxn id="8" idx="1"/>
+            </p:cNvCxnSpPr>
+            <p:nvPr/>
+          </p:nvCxnSpPr>
+          <p:spPr>
+            <a:xfrm flipV="1">
+              <a:off x="2682959" y="4172237"/>
+              <a:ext cx="732546" cy="2393"/>
+            </a:xfrm>
+            <a:prstGeom prst="straightConnector1">
+              <a:avLst/>
+            </a:prstGeom>
+            <a:ln w="38100">
+              <a:solidFill>
+                <a:schemeClr val="accent4">
+                  <a:lumMod val="75000"/>
+                </a:schemeClr>
+              </a:solidFill>
+              <a:tailEnd type="triangle"/>
+            </a:ln>
+          </p:spPr>
+          <p:style>
+            <a:lnRef idx="1">
+              <a:schemeClr val="accent1"/>
+            </a:lnRef>
+            <a:fillRef idx="0">
+              <a:schemeClr val="accent1"/>
+            </a:fillRef>
+            <a:effectRef idx="0">
+              <a:schemeClr val="accent1"/>
+            </a:effectRef>
+            <a:fontRef idx="minor">
+              <a:schemeClr val="tx1"/>
+            </a:fontRef>
+          </p:style>
+        </p:cxnSp>
+        <p:sp>
+          <p:nvSpPr>
+            <p:cNvPr id="34" name="TextBox 33">
+              <a:extLst>
+                <a:ext uri="{FF2B5EF4-FFF2-40B4-BE49-F238E27FC236}">
+                  <a16:creationId xmlns:a16="http://schemas.microsoft.com/office/drawing/2014/main" id="{97EC96AA-4705-0492-4324-849CA86C521A}"/>
+                </a:ext>
+              </a:extLst>
+            </p:cNvPr>
+            <p:cNvSpPr txBox="1"/>
+            <p:nvPr/>
+          </p:nvSpPr>
+          <p:spPr>
+            <a:xfrm>
+              <a:off x="749956" y="3925696"/>
+              <a:ext cx="1951286" cy="461665"/>
+            </a:xfrm>
+            <a:prstGeom prst="rect">
+              <a:avLst/>
+            </a:prstGeom>
+            <a:noFill/>
+          </p:spPr>
+          <p:txBody>
+            <a:bodyPr wrap="square" rtlCol="0">
+              <a:spAutoFit/>
+            </a:bodyPr>
+            <a:lstStyle/>
+            <a:p>
+              <a:pPr algn="r"/>
+              <a:r>
+                <a:rPr lang="en-US" sz="2400" dirty="0">
+                  <a:solidFill>
+                    <a:schemeClr val="accent4">
+                      <a:lumMod val="75000"/>
+                    </a:schemeClr>
+                  </a:solidFill>
+                  <a:latin typeface="+mj-lt"/>
+                </a:rPr>
+                <a:t>Instruction</a:t>
+              </a:r>
+            </a:p>
+          </p:txBody>
+        </p:sp>
+      </p:grpSp>
+      <p:sp>
+        <p:nvSpPr>
+          <p:cNvPr id="19" name="Slide Number Placeholder 18">
+            <a:extLst>
+              <a:ext uri="{FF2B5EF4-FFF2-40B4-BE49-F238E27FC236}">
+                <a16:creationId xmlns:a16="http://schemas.microsoft.com/office/drawing/2014/main" id="{93AA3600-9256-59F2-AF76-3DCA62B819AE}"/>
+              </a:ext>
+            </a:extLst>
+          </p:cNvPr>
+          <p:cNvSpPr>
+            <a:spLocks noGrp="1"/>
+          </p:cNvSpPr>
+          <p:nvPr>
+            <p:ph type="sldNum" idx="97"/>
+          </p:nvPr>
+        </p:nvSpPr>
+        <p:spPr/>
+        <p:txBody>
+          <a:bodyPr/>
+          <a:lstStyle/>
+          <a:p>
+            <a:fld id="{86A8BF56-6CB3-514C-9A64-F39D95C9E25B}" type="slidenum">
+              <a:rPr lang="en-US" smtClean="0"/>
+              <a:t>6</a:t>
+            </a:fld>
+            <a:endParaRPr lang="en-US"/>
+          </a:p>
+        </p:txBody>
+      </p:sp>
+      <p:sp>
+        <p:nvSpPr>
+          <p:cNvPr id="2" name="Title 1">
+            <a:extLst>
+              <a:ext uri="{FF2B5EF4-FFF2-40B4-BE49-F238E27FC236}">
+                <a16:creationId xmlns:a16="http://schemas.microsoft.com/office/drawing/2014/main" id="{282A3BE8-A776-3EAD-BA69-B93E3F729533}"/>
+              </a:ext>
+            </a:extLst>
+          </p:cNvPr>
+          <p:cNvSpPr>
+            <a:spLocks noGrp="1"/>
+          </p:cNvSpPr>
+          <p:nvPr>
+            <p:ph type="title"/>
+          </p:nvPr>
         </p:nvSpPr>
         <p:spPr>
           <a:xfrm>
-            <a:off x="749956" y="3925696"/>
-            <a:ext cx="1951286" cy="461665"/>
+            <a:off x="365760" y="301752"/>
+            <a:ext cx="11466576" cy="731520"/>
           </a:xfrm>
-          <a:prstGeom prst="rect">
-            <a:avLst/>
-          </a:prstGeom>
-          <a:noFill/>
         </p:spPr>
         <p:txBody>
-          <a:bodyPr wrap="square" rtlCol="0">
-            <a:spAutoFit/>
-          </a:bodyPr>
+          <a:bodyPr/>
           <a:lstStyle/>
           <a:p>
-            <a:pPr algn="r"/>
-            <a:r>
-              <a:rPr lang="en-US" sz="2400" dirty="0">
-                <a:solidFill>
-                  <a:schemeClr val="accent4">
-                    <a:lumMod val="75000"/>
-                  </a:schemeClr>
-                </a:solidFill>
-                <a:latin typeface="+mj-lt"/>
-              </a:rPr>
-              <a:t>Instruction</a:t>
+            <a:r>
+              <a:rPr lang="en-US" dirty="0"/>
+              <a:t>Components of a prompt</a:t>
             </a:r>
           </a:p>
         </p:txBody>
@@ -19499,7 +19547,7 @@
                             </p:stCondLst>
                             <p:childTnLst>
                               <p:par>
-                                <p:cTn id="5" presetID="10" presetClass="entr" presetSubtype="0" fill="hold" grpId="0" nodeType="clickEffect">
+                                <p:cTn id="5" presetID="9" presetClass="entr" presetSubtype="0" fill="hold" nodeType="clickEffect">
                                   <p:stCondLst>
                                     <p:cond delay="0"/>
                                   </p:stCondLst>
@@ -19512,7 +19560,7 @@
                                           </p:stCondLst>
                                         </p:cTn>
                                         <p:tgtEl>
-                                          <p:spTgt spid="34"/>
+                                          <p:spTgt spid="22"/>
                                         </p:tgtEl>
                                         <p:attrNameLst>
                                           <p:attrName>style.visibility</p:attrName>
@@ -19522,11 +19570,170 @@
                                         <p:strVal val="visible"/>
                                       </p:to>
                                     </p:set>
-                                    <p:animEffect transition="in" filter="fade">
+                                    <p:animEffect transition="in" filter="dissolve">
                                       <p:cBhvr>
                                         <p:cTn id="7" dur="500"/>
                                         <p:tgtEl>
-                                          <p:spTgt spid="34"/>
+                                          <p:spTgt spid="22"/>
+                                        </p:tgtEl>
+                                      </p:cBhvr>
+                                    </p:animEffect>
+                                  </p:childTnLst>
+                                </p:cTn>
+                              </p:par>
+                            </p:childTnLst>
+                          </p:cTn>
+                        </p:par>
+                      </p:childTnLst>
+                    </p:cTn>
+                  </p:par>
+                  <p:par>
+                    <p:cTn id="8" fill="hold">
+                      <p:stCondLst>
+                        <p:cond delay="indefinite"/>
+                      </p:stCondLst>
+                      <p:childTnLst>
+                        <p:par>
+                          <p:cTn id="9" fill="hold">
+                            <p:stCondLst>
+                              <p:cond delay="0"/>
+                            </p:stCondLst>
+                            <p:childTnLst>
+                              <p:par>
+                                <p:cTn id="10" presetID="9" presetClass="entr" presetSubtype="0" fill="hold" nodeType="clickEffect">
+                                  <p:stCondLst>
+                                    <p:cond delay="0"/>
+                                  </p:stCondLst>
+                                  <p:childTnLst>
+                                    <p:set>
+                                      <p:cBhvr>
+                                        <p:cTn id="11" dur="1" fill="hold">
+                                          <p:stCondLst>
+                                            <p:cond delay="0"/>
+                                          </p:stCondLst>
+                                        </p:cTn>
+                                        <p:tgtEl>
+                                          <p:spTgt spid="23"/>
+                                        </p:tgtEl>
+                                        <p:attrNameLst>
+                                          <p:attrName>style.visibility</p:attrName>
+                                        </p:attrNameLst>
+                                      </p:cBhvr>
+                                      <p:to>
+                                        <p:strVal val="visible"/>
+                                      </p:to>
+                                    </p:set>
+                                    <p:animEffect transition="in" filter="dissolve">
+                                      <p:cBhvr>
+                                        <p:cTn id="12" dur="500"/>
+                                        <p:tgtEl>
+                                          <p:spTgt spid="23"/>
+                                        </p:tgtEl>
+                                      </p:cBhvr>
+                                    </p:animEffect>
+                                  </p:childTnLst>
+                                </p:cTn>
+                              </p:par>
+                            </p:childTnLst>
+                          </p:cTn>
+                        </p:par>
+                      </p:childTnLst>
+                    </p:cTn>
+                  </p:par>
+                  <p:par>
+                    <p:cTn id="13" fill="hold">
+                      <p:stCondLst>
+                        <p:cond delay="indefinite"/>
+                      </p:stCondLst>
+                      <p:childTnLst>
+                        <p:par>
+                          <p:cTn id="14" fill="hold">
+                            <p:stCondLst>
+                              <p:cond delay="0"/>
+                            </p:stCondLst>
+                            <p:childTnLst>
+                              <p:par>
+                                <p:cTn id="15" presetID="9" presetClass="entr" presetSubtype="0" fill="hold" nodeType="clickEffect">
+                                  <p:stCondLst>
+                                    <p:cond delay="0"/>
+                                  </p:stCondLst>
+                                  <p:childTnLst>
+                                    <p:set>
+                                      <p:cBhvr>
+                                        <p:cTn id="16" dur="1" fill="hold">
+                                          <p:stCondLst>
+                                            <p:cond delay="0"/>
+                                          </p:stCondLst>
+                                        </p:cTn>
+                                        <p:tgtEl>
+                                          <p:spTgt spid="24"/>
+                                        </p:tgtEl>
+                                        <p:attrNameLst>
+                                          <p:attrName>style.visibility</p:attrName>
+                                        </p:attrNameLst>
+                                      </p:cBhvr>
+                                      <p:to>
+                                        <p:strVal val="visible"/>
+                                      </p:to>
+                                    </p:set>
+                                    <p:animEffect transition="in" filter="dissolve">
+                                      <p:cBhvr>
+                                        <p:cTn id="17" dur="500"/>
+                                        <p:tgtEl>
+                                          <p:spTgt spid="24"/>
+                                        </p:tgtEl>
+                                      </p:cBhvr>
+                                    </p:animEffect>
+                                  </p:childTnLst>
+                                </p:cTn>
+                              </p:par>
+                            </p:childTnLst>
+                          </p:cTn>
+                        </p:par>
+                      </p:childTnLst>
+                    </p:cTn>
+                  </p:par>
+                  <p:par>
+                    <p:cTn id="18" fill="hold">
+                      <p:stCondLst>
+                        <p:cond delay="indefinite"/>
+                      </p:stCondLst>
+                      <p:childTnLst>
+                        <p:par>
+                          <p:cTn id="19" fill="hold">
+                            <p:stCondLst>
+                              <p:cond delay="0"/>
+                            </p:stCondLst>
+                            <p:childTnLst>
+                              <p:par>
+                                <p:cTn id="20" presetID="9" presetClass="entr" presetSubtype="0" fill="hold" nodeType="clickEffect">
+                                  <p:stCondLst>
+                                    <p:cond delay="0"/>
+                                  </p:stCondLst>
+                                  <p:childTnLst>
+                                    <p:set>
+                                      <p:cBhvr>
+                                        <p:cTn id="21" dur="1" fill="hold">
+                                          <p:stCondLst>
+                                            <p:cond delay="0"/>
+                                          </p:stCondLst>
+                                        </p:cTn>
+                                        <p:tgtEl>
+                                          <p:spTgt spid="25"/>
+                                        </p:tgtEl>
+                                        <p:attrNameLst>
+                                          <p:attrName>style.visibility</p:attrName>
+                                        </p:attrNameLst>
+                                      </p:cBhvr>
+                                      <p:to>
+                                        <p:strVal val="visible"/>
+                                      </p:to>
+                                    </p:set>
+                                    <p:animEffect transition="in" filter="dissolve">
+                                      <p:cBhvr>
+                                        <p:cTn id="22" dur="500"/>
+                                        <p:tgtEl>
+                                          <p:spTgt spid="25"/>
                                         </p:tgtEl>
                                       </p:cBhvr>
                                     </p:animEffect>
@@ -19560,9 +19767,6 @@
         </p:cTn>
       </p:par>
     </p:tnLst>
-    <p:bldLst>
-      <p:bldP spid="34" grpId="0"/>
-    </p:bldLst>
   </p:timing>
 </p:sld>
 </file>
@@ -19664,7 +19868,7 @@
             </a:r>
             <a:r>
               <a:rPr lang="en-US" sz="2400" dirty="0"/>
-              <a:t>. It can take multiple iterations to find optimal prompts.</a:t>
+              <a:t>. It can take multiple iterations to find optimal prompts</a:t>
             </a:r>
           </a:p>
           <a:p>
@@ -19682,14 +19886,11 @@
               </a:rPr>
               <a:t>influence performance</a:t>
             </a:r>
-            <a:r>
-              <a:rPr lang="en-US" sz="2400" dirty="0">
-                <a:solidFill>
-                  <a:schemeClr val="accent6"/>
-                </a:solidFill>
-              </a:rPr>
-              <a:t>.</a:t>
-            </a:r>
+            <a:endParaRPr lang="en-US" sz="2400" dirty="0">
+              <a:solidFill>
+                <a:schemeClr val="accent6"/>
+              </a:solidFill>
+            </a:endParaRPr>
           </a:p>
           <a:p>
             <a:pPr marL="741363" indent="-401638"/>
@@ -19706,10 +19907,7 @@
               </a:rPr>
               <a:t>counteract hallucinations</a:t>
             </a:r>
-            <a:r>
-              <a:rPr lang="en-US" sz="2400" dirty="0"/>
-              <a:t>.</a:t>
-            </a:r>
+            <a:endParaRPr lang="en-US" sz="2400" dirty="0"/>
           </a:p>
           <a:p>
             <a:pPr marL="741363" indent="-401638"/>
@@ -19954,7 +20152,7 @@
             </a:r>
             <a:r>
               <a:rPr lang="en-DE" sz="2400"/>
-              <a:t> the model’s response.</a:t>
+              <a:t> the model’s response</a:t>
             </a:r>
             <a:endParaRPr lang="en-US" sz="2400" dirty="0"/>
           </a:p>
